--- a/matsuoka/3.3 Lightgbm/LightGBM.pptx
+++ b/matsuoka/3.3 Lightgbm/LightGBM.pptx
@@ -9,12 +9,13 @@
     <p:sldId id="257" r:id="rId3"/>
     <p:sldId id="259" r:id="rId4"/>
     <p:sldId id="258" r:id="rId5"/>
-    <p:sldId id="263" r:id="rId6"/>
-    <p:sldId id="264" r:id="rId7"/>
-    <p:sldId id="260" r:id="rId8"/>
-    <p:sldId id="261" r:id="rId9"/>
-    <p:sldId id="262" r:id="rId10"/>
-    <p:sldId id="265" r:id="rId11"/>
+    <p:sldId id="266" r:id="rId6"/>
+    <p:sldId id="263" r:id="rId7"/>
+    <p:sldId id="264" r:id="rId8"/>
+    <p:sldId id="260" r:id="rId9"/>
+    <p:sldId id="261" r:id="rId10"/>
+    <p:sldId id="262" r:id="rId11"/>
+    <p:sldId id="265" r:id="rId12"/>
   </p:sldIdLst>
   <p:sldSz cx="12192000" cy="6858000"/>
   <p:notesSz cx="6858000" cy="9144000"/>
@@ -113,6 +114,11 @@
       </a:defRPr>
     </a:lvl9pPr>
   </p:defaultTextStyle>
+  <p:extLst>
+    <p:ext uri="{EFAFB233-063F-42B5-8137-9DF3F51BA10A}">
+      <p15:sldGuideLst xmlns:p15="http://schemas.microsoft.com/office/powerpoint/2012/main"/>
+    </p:ext>
+  </p:extLst>
 </p:presentation>
 </file>
 
@@ -263,7 +269,7 @@
           <a:p>
             <a:fld id="{7278C6A5-84D4-4820-ABD6-3F728A91796C}" type="datetimeFigureOut">
               <a:rPr kumimoji="1" lang="ja-JP" altLang="en-US" smtClean="0"/>
-              <a:t>2018/11/15</a:t>
+              <a:t>2018/11/28</a:t>
             </a:fld>
             <a:endParaRPr kumimoji="1" lang="ja-JP" altLang="en-US"/>
           </a:p>
@@ -493,7 +499,7 @@
           <a:p>
             <a:fld id="{7278C6A5-84D4-4820-ABD6-3F728A91796C}" type="datetimeFigureOut">
               <a:rPr kumimoji="1" lang="ja-JP" altLang="en-US" smtClean="0"/>
-              <a:t>2018/11/15</a:t>
+              <a:t>2018/11/28</a:t>
             </a:fld>
             <a:endParaRPr kumimoji="1" lang="ja-JP" altLang="en-US"/>
           </a:p>
@@ -733,7 +739,7 @@
           <a:p>
             <a:fld id="{7278C6A5-84D4-4820-ABD6-3F728A91796C}" type="datetimeFigureOut">
               <a:rPr kumimoji="1" lang="ja-JP" altLang="en-US" smtClean="0"/>
-              <a:t>2018/11/15</a:t>
+              <a:t>2018/11/28</a:t>
             </a:fld>
             <a:endParaRPr kumimoji="1" lang="ja-JP" altLang="en-US"/>
           </a:p>
@@ -963,7 +969,7 @@
           <a:p>
             <a:fld id="{7278C6A5-84D4-4820-ABD6-3F728A91796C}" type="datetimeFigureOut">
               <a:rPr kumimoji="1" lang="ja-JP" altLang="en-US" smtClean="0"/>
-              <a:t>2018/11/15</a:t>
+              <a:t>2018/11/28</a:t>
             </a:fld>
             <a:endParaRPr kumimoji="1" lang="ja-JP" altLang="en-US"/>
           </a:p>
@@ -1238,7 +1244,7 @@
           <a:p>
             <a:fld id="{7278C6A5-84D4-4820-ABD6-3F728A91796C}" type="datetimeFigureOut">
               <a:rPr kumimoji="1" lang="ja-JP" altLang="en-US" smtClean="0"/>
-              <a:t>2018/11/15</a:t>
+              <a:t>2018/11/28</a:t>
             </a:fld>
             <a:endParaRPr kumimoji="1" lang="ja-JP" altLang="en-US"/>
           </a:p>
@@ -1567,7 +1573,7 @@
           <a:p>
             <a:fld id="{7278C6A5-84D4-4820-ABD6-3F728A91796C}" type="datetimeFigureOut">
               <a:rPr kumimoji="1" lang="ja-JP" altLang="en-US" smtClean="0"/>
-              <a:t>2018/11/15</a:t>
+              <a:t>2018/11/28</a:t>
             </a:fld>
             <a:endParaRPr kumimoji="1" lang="ja-JP" altLang="en-US"/>
           </a:p>
@@ -2043,7 +2049,7 @@
           <a:p>
             <a:fld id="{7278C6A5-84D4-4820-ABD6-3F728A91796C}" type="datetimeFigureOut">
               <a:rPr kumimoji="1" lang="ja-JP" altLang="en-US" smtClean="0"/>
-              <a:t>2018/11/15</a:t>
+              <a:t>2018/11/28</a:t>
             </a:fld>
             <a:endParaRPr kumimoji="1" lang="ja-JP" altLang="en-US"/>
           </a:p>
@@ -2184,7 +2190,7 @@
           <a:p>
             <a:fld id="{7278C6A5-84D4-4820-ABD6-3F728A91796C}" type="datetimeFigureOut">
               <a:rPr kumimoji="1" lang="ja-JP" altLang="en-US" smtClean="0"/>
-              <a:t>2018/11/15</a:t>
+              <a:t>2018/11/28</a:t>
             </a:fld>
             <a:endParaRPr kumimoji="1" lang="ja-JP" altLang="en-US"/>
           </a:p>
@@ -2297,7 +2303,7 @@
           <a:p>
             <a:fld id="{7278C6A5-84D4-4820-ABD6-3F728A91796C}" type="datetimeFigureOut">
               <a:rPr kumimoji="1" lang="ja-JP" altLang="en-US" smtClean="0"/>
-              <a:t>2018/11/15</a:t>
+              <a:t>2018/11/28</a:t>
             </a:fld>
             <a:endParaRPr kumimoji="1" lang="ja-JP" altLang="en-US"/>
           </a:p>
@@ -2640,7 +2646,7 @@
           <a:p>
             <a:fld id="{7278C6A5-84D4-4820-ABD6-3F728A91796C}" type="datetimeFigureOut">
               <a:rPr kumimoji="1" lang="ja-JP" altLang="en-US" smtClean="0"/>
-              <a:t>2018/11/15</a:t>
+              <a:t>2018/11/28</a:t>
             </a:fld>
             <a:endParaRPr kumimoji="1" lang="ja-JP" altLang="en-US"/>
           </a:p>
@@ -2928,7 +2934,7 @@
           <a:p>
             <a:fld id="{7278C6A5-84D4-4820-ABD6-3F728A91796C}" type="datetimeFigureOut">
               <a:rPr kumimoji="1" lang="ja-JP" altLang="en-US" smtClean="0"/>
-              <a:t>2018/11/15</a:t>
+              <a:t>2018/11/28</a:t>
             </a:fld>
             <a:endParaRPr kumimoji="1" lang="ja-JP" altLang="en-US"/>
           </a:p>
@@ -3201,7 +3207,7 @@
           <a:p>
             <a:fld id="{7278C6A5-84D4-4820-ABD6-3F728A91796C}" type="datetimeFigureOut">
               <a:rPr kumimoji="1" lang="ja-JP" altLang="en-US" smtClean="0"/>
-              <a:t>2018/11/15</a:t>
+              <a:t>2018/11/28</a:t>
             </a:fld>
             <a:endParaRPr kumimoji="1" lang="ja-JP" altLang="en-US"/>
           </a:p>
@@ -3707,6 +3713,190 @@
           <p:cNvPr id="2" name="タイトル 1">
             <a:extLst>
               <a:ext uri="{FF2B5EF4-FFF2-40B4-BE49-F238E27FC236}">
+                <a16:creationId xmlns:a16="http://schemas.microsoft.com/office/drawing/2014/main" id="{5D95A9AD-138B-43D8-8EA5-2D7A6C928879}"/>
+              </a:ext>
+            </a:extLst>
+          </p:cNvPr>
+          <p:cNvSpPr>
+            <a:spLocks noGrp="1"/>
+          </p:cNvSpPr>
+          <p:nvPr>
+            <p:ph type="title"/>
+          </p:nvPr>
+        </p:nvSpPr>
+        <p:spPr/>
+        <p:txBody>
+          <a:bodyPr/>
+          <a:lstStyle/>
+          <a:p>
+            <a:r>
+              <a:rPr lang="en-US" altLang="ja-JP" dirty="0" err="1"/>
+              <a:t>LightGBM</a:t>
+            </a:r>
+            <a:r>
+              <a:rPr lang="en-US" altLang="ja-JP" dirty="0"/>
+              <a:t> with Simple Features</a:t>
+            </a:r>
+            <a:r>
+              <a:rPr lang="ja-JP" altLang="en-US" dirty="0"/>
+              <a:t>カーネルでやっていること</a:t>
+            </a:r>
+            <a:endParaRPr kumimoji="1" lang="ja-JP" altLang="en-US" dirty="0"/>
+          </a:p>
+        </p:txBody>
+      </p:sp>
+      <p:sp>
+        <p:nvSpPr>
+          <p:cNvPr id="3" name="コンテンツ プレースホルダー 2">
+            <a:extLst>
+              <a:ext uri="{FF2B5EF4-FFF2-40B4-BE49-F238E27FC236}">
+                <a16:creationId xmlns:a16="http://schemas.microsoft.com/office/drawing/2014/main" id="{85424750-60B7-4A94-825D-FF6F0EA32433}"/>
+              </a:ext>
+            </a:extLst>
+          </p:cNvPr>
+          <p:cNvSpPr>
+            <a:spLocks noGrp="1"/>
+          </p:cNvSpPr>
+          <p:nvPr>
+            <p:ph idx="1"/>
+          </p:nvPr>
+        </p:nvSpPr>
+        <p:spPr/>
+        <p:txBody>
+          <a:bodyPr/>
+          <a:lstStyle/>
+          <a:p>
+            <a:r>
+              <a:rPr kumimoji="1" lang="ja-JP" altLang="en-US" dirty="0"/>
+              <a:t>複数テーブル</a:t>
+            </a:r>
+            <a:r>
+              <a:rPr kumimoji="1" lang="en-US" altLang="ja-JP" dirty="0"/>
+              <a:t>(CSV)</a:t>
+            </a:r>
+            <a:r>
+              <a:rPr kumimoji="1" lang="ja-JP" altLang="en-US" dirty="0"/>
+              <a:t>にデータが散らばっているので、それらを結合</a:t>
+            </a:r>
+            <a:endParaRPr kumimoji="1" lang="en-US" altLang="ja-JP" dirty="0"/>
+          </a:p>
+          <a:p>
+            <a:r>
+              <a:rPr lang="en-US" altLang="ja-JP" dirty="0" err="1"/>
+              <a:t>Kfold</a:t>
+            </a:r>
+            <a:r>
+              <a:rPr lang="ja-JP" altLang="en-US" dirty="0"/>
+              <a:t>というクロスバリデーションの手法で分類器のスコアを出している</a:t>
+            </a:r>
+            <a:endParaRPr lang="en-US" altLang="ja-JP" dirty="0"/>
+          </a:p>
+          <a:p>
+            <a:pPr lvl="1"/>
+            <a:r>
+              <a:rPr kumimoji="1" lang="en-US" altLang="ja-JP" dirty="0"/>
+              <a:t>K</a:t>
+            </a:r>
+            <a:r>
+              <a:rPr kumimoji="1" lang="ja-JP" altLang="en-US" dirty="0"/>
+              <a:t>個に分割し、</a:t>
+            </a:r>
+            <a:r>
+              <a:rPr kumimoji="1" lang="en-US" altLang="ja-JP" dirty="0"/>
+              <a:t>k-1</a:t>
+            </a:r>
+            <a:r>
+              <a:rPr kumimoji="1" lang="ja-JP" altLang="en-US" dirty="0"/>
+              <a:t>個を訓練データ、</a:t>
+            </a:r>
+            <a:r>
+              <a:rPr kumimoji="1" lang="en-US" altLang="ja-JP" dirty="0"/>
+              <a:t>1</a:t>
+            </a:r>
+            <a:r>
+              <a:rPr kumimoji="1" lang="ja-JP" altLang="en-US" dirty="0"/>
+              <a:t>個をテストデータとする</a:t>
+            </a:r>
+            <a:endParaRPr kumimoji="1" lang="en-US" altLang="ja-JP" dirty="0"/>
+          </a:p>
+          <a:p>
+            <a:pPr lvl="1"/>
+            <a:r>
+              <a:rPr lang="ja-JP" altLang="en-US" dirty="0"/>
+              <a:t>このカーネルでは</a:t>
+            </a:r>
+            <a:r>
+              <a:rPr lang="en-US" altLang="ja-JP" dirty="0"/>
+              <a:t>k=10</a:t>
+            </a:r>
+          </a:p>
+          <a:p>
+            <a:r>
+              <a:rPr lang="ja-JP" altLang="en-US" dirty="0"/>
+              <a:t>各訓練データに対して、学習を繰り返す</a:t>
+            </a:r>
+            <a:endParaRPr lang="en-US" altLang="ja-JP" dirty="0"/>
+          </a:p>
+          <a:p>
+            <a:pPr lvl="1"/>
+            <a:r>
+              <a:rPr lang="ja-JP" altLang="en-US" dirty="0"/>
+              <a:t>正解率を見て、正解率が下がり始めたら学習を止める</a:t>
+            </a:r>
+            <a:r>
+              <a:rPr lang="en-US" altLang="ja-JP" dirty="0"/>
+              <a:t>(</a:t>
+            </a:r>
+            <a:r>
+              <a:rPr lang="ja-JP" altLang="en-US" dirty="0"/>
+              <a:t>過学習防止のため</a:t>
+            </a:r>
+            <a:r>
+              <a:rPr lang="en-US" altLang="ja-JP" dirty="0"/>
+              <a:t>)</a:t>
+            </a:r>
+          </a:p>
+          <a:p>
+            <a:pPr lvl="1"/>
+            <a:endParaRPr kumimoji="1" lang="ja-JP" altLang="en-US" dirty="0"/>
+          </a:p>
+        </p:txBody>
+      </p:sp>
+    </p:spTree>
+    <p:extLst>
+      <p:ext uri="{BB962C8B-B14F-4D97-AF65-F5344CB8AC3E}">
+        <p14:creationId xmlns:p14="http://schemas.microsoft.com/office/powerpoint/2010/main" val="3481095468"/>
+      </p:ext>
+    </p:extLst>
+  </p:cSld>
+  <p:clrMapOvr>
+    <a:masterClrMapping/>
+  </p:clrMapOvr>
+</p:sld>
+</file>
+
+<file path=ppt/slides/slide11.xml><?xml version="1.0" encoding="utf-8"?>
+<p:sld xmlns:a="http://schemas.openxmlformats.org/drawingml/2006/main" xmlns:r="http://schemas.openxmlformats.org/officeDocument/2006/relationships" xmlns:p="http://schemas.openxmlformats.org/presentationml/2006/main">
+  <p:cSld>
+    <p:spTree>
+      <p:nvGrpSpPr>
+        <p:cNvPr id="1" name=""/>
+        <p:cNvGrpSpPr/>
+        <p:nvPr/>
+      </p:nvGrpSpPr>
+      <p:grpSpPr>
+        <a:xfrm>
+          <a:off x="0" y="0"/>
+          <a:ext cx="0" cy="0"/>
+          <a:chOff x="0" y="0"/>
+          <a:chExt cx="0" cy="0"/>
+        </a:xfrm>
+      </p:grpSpPr>
+      <p:sp>
+        <p:nvSpPr>
+          <p:cNvPr id="2" name="タイトル 1">
+            <a:extLst>
+              <a:ext uri="{FF2B5EF4-FFF2-40B4-BE49-F238E27FC236}">
                 <a16:creationId xmlns:a16="http://schemas.microsoft.com/office/drawing/2014/main" id="{9D6A5C9B-E7DC-4093-8FF9-3733BB823A62}"/>
               </a:ext>
             </a:extLst>
@@ -4080,7 +4270,9 @@
         </p:nvSpPr>
         <p:spPr/>
         <p:txBody>
-          <a:bodyPr/>
+          <a:bodyPr>
+            <a:normAutofit lnSpcReduction="10000"/>
+          </a:bodyPr>
           <a:lstStyle/>
           <a:p>
             <a:r>
@@ -4106,6 +4298,13 @@
             <a:r>
               <a:rPr lang="ja-JP" altLang="en-US" dirty="0"/>
               <a:t>分類器が間違った分類をしても、半分以上の分類器が正しければ、正しい分類をすることができる。</a:t>
+            </a:r>
+            <a:endParaRPr lang="en-US" altLang="ja-JP" dirty="0"/>
+          </a:p>
+          <a:p>
+            <a:r>
+              <a:rPr lang="ja-JP" altLang="en-US" dirty="0"/>
+              <a:t>ランダムよりはよい学習器の多数決を取ると、大数の法則により、正解の分類となる確率が上がる</a:t>
             </a:r>
           </a:p>
           <a:p>
@@ -4272,7 +4471,10 @@
           </a:p>
           <a:p>
             <a:pPr lvl="1"/>
-            <a:endParaRPr kumimoji="1" lang="ja-JP" altLang="en-US" dirty="0"/>
+            <a:r>
+              <a:rPr kumimoji="1" lang="ja-JP" altLang="en-US" dirty="0"/>
+              <a:t>弱学習機はランダムに分類するよりは良い予測をする</a:t>
+            </a:r>
           </a:p>
         </p:txBody>
       </p:sp>
@@ -4306,6 +4508,178 @@
           <a:chExt cx="0" cy="0"/>
         </a:xfrm>
       </p:grpSpPr>
+      <p:pic>
+        <p:nvPicPr>
+          <p:cNvPr id="1026" name="Picture 2" descr="https://cdn-ak.f.st-hatena.com/images/fotolife/S/St_Hakky/20170728/20170728201504.jpg">
+            <a:extLst>
+              <a:ext uri="{FF2B5EF4-FFF2-40B4-BE49-F238E27FC236}">
+                <a16:creationId xmlns:a16="http://schemas.microsoft.com/office/drawing/2014/main" id="{871DF682-E377-43D4-87A0-6814C2514B20}"/>
+              </a:ext>
+            </a:extLst>
+          </p:cNvPr>
+          <p:cNvPicPr>
+            <a:picLocks noChangeAspect="1" noChangeArrowheads="1"/>
+          </p:cNvPicPr>
+          <p:nvPr/>
+        </p:nvPicPr>
+        <p:blipFill>
+          <a:blip r:embed="rId2">
+            <a:extLst>
+              <a:ext uri="{28A0092B-C50C-407E-A947-70E740481C1C}">
+                <a14:useLocalDpi xmlns:a14="http://schemas.microsoft.com/office/drawing/2010/main" val="0"/>
+              </a:ext>
+            </a:extLst>
+          </a:blip>
+          <a:srcRect/>
+          <a:stretch>
+            <a:fillRect/>
+          </a:stretch>
+        </p:blipFill>
+        <p:spPr bwMode="auto">
+          <a:xfrm>
+            <a:off x="1129004" y="250651"/>
+            <a:ext cx="6108440" cy="6114102"/>
+          </a:xfrm>
+          <a:prstGeom prst="rect">
+            <a:avLst/>
+          </a:prstGeom>
+          <a:noFill/>
+          <a:extLst>
+            <a:ext uri="{909E8E84-426E-40DD-AFC4-6F175D3DCCD1}">
+              <a14:hiddenFill xmlns:a14="http://schemas.microsoft.com/office/drawing/2010/main">
+                <a:solidFill>
+                  <a:srgbClr val="FFFFFF"/>
+                </a:solidFill>
+              </a14:hiddenFill>
+            </a:ext>
+          </a:extLst>
+        </p:spPr>
+      </p:pic>
+      <p:sp>
+        <p:nvSpPr>
+          <p:cNvPr id="4" name="正方形/長方形 3">
+            <a:extLst>
+              <a:ext uri="{FF2B5EF4-FFF2-40B4-BE49-F238E27FC236}">
+                <a16:creationId xmlns:a16="http://schemas.microsoft.com/office/drawing/2014/main" id="{DC80589F-2246-4C4E-A8A3-1E66FF3D2541}"/>
+              </a:ext>
+            </a:extLst>
+          </p:cNvPr>
+          <p:cNvSpPr/>
+          <p:nvPr/>
+        </p:nvSpPr>
+        <p:spPr>
+          <a:xfrm>
+            <a:off x="1129004" y="6211669"/>
+            <a:ext cx="6096000" cy="646331"/>
+          </a:xfrm>
+          <a:prstGeom prst="rect">
+            <a:avLst/>
+          </a:prstGeom>
+        </p:spPr>
+        <p:txBody>
+          <a:bodyPr>
+            <a:spAutoFit/>
+          </a:bodyPr>
+          <a:lstStyle/>
+          <a:p>
+            <a:r>
+              <a:rPr lang="ja-JP" altLang="en-US" dirty="0"/>
+              <a:t>引用：Géron, Aurélien. "Hands on Machine Learning with scikit-learn and Tensorflow." (2017).</a:t>
+            </a:r>
+          </a:p>
+        </p:txBody>
+      </p:sp>
+      <p:sp>
+        <p:nvSpPr>
+          <p:cNvPr id="5" name="テキスト ボックス 4">
+            <a:extLst>
+              <a:ext uri="{FF2B5EF4-FFF2-40B4-BE49-F238E27FC236}">
+                <a16:creationId xmlns:a16="http://schemas.microsoft.com/office/drawing/2014/main" id="{B89A33EC-5F06-4DA7-8E1D-7078216E178D}"/>
+              </a:ext>
+            </a:extLst>
+          </p:cNvPr>
+          <p:cNvSpPr txBox="1"/>
+          <p:nvPr/>
+        </p:nvSpPr>
+        <p:spPr>
+          <a:xfrm>
+            <a:off x="7390686" y="1511559"/>
+            <a:ext cx="4801314" cy="923330"/>
+          </a:xfrm>
+          <a:prstGeom prst="rect">
+            <a:avLst/>
+          </a:prstGeom>
+          <a:noFill/>
+        </p:spPr>
+        <p:txBody>
+          <a:bodyPr wrap="none" rtlCol="0">
+            <a:spAutoFit/>
+          </a:bodyPr>
+          <a:lstStyle/>
+          <a:p>
+            <a:r>
+              <a:rPr kumimoji="1" lang="en-US" altLang="ja-JP" dirty="0"/>
+              <a:t>2</a:t>
+            </a:r>
+            <a:r>
+              <a:rPr kumimoji="1" lang="ja-JP" altLang="en-US" dirty="0"/>
+              <a:t>つ目以降は前の決定木の</a:t>
+            </a:r>
+            <a:r>
+              <a:rPr lang="ja-JP" altLang="en-US" dirty="0"/>
+              <a:t>残差</a:t>
+            </a:r>
+            <a:r>
+              <a:rPr kumimoji="1" lang="ja-JP" altLang="en-US" dirty="0"/>
+              <a:t>を対象とし、</a:t>
+            </a:r>
+            <a:endParaRPr kumimoji="1" lang="en-US" altLang="ja-JP" dirty="0"/>
+          </a:p>
+          <a:p>
+            <a:r>
+              <a:rPr lang="ja-JP" altLang="en-US" dirty="0"/>
+              <a:t>新しい決定木を訓練している。</a:t>
+            </a:r>
+            <a:endParaRPr lang="en-US" altLang="ja-JP" dirty="0"/>
+          </a:p>
+          <a:p>
+            <a:r>
+              <a:rPr kumimoji="1" lang="ja-JP" altLang="en-US" dirty="0"/>
+              <a:t>下にいくほど残差が減り、予測が改善される</a:t>
+            </a:r>
+          </a:p>
+        </p:txBody>
+      </p:sp>
+    </p:spTree>
+    <p:extLst>
+      <p:ext uri="{BB962C8B-B14F-4D97-AF65-F5344CB8AC3E}">
+        <p14:creationId xmlns:p14="http://schemas.microsoft.com/office/powerpoint/2010/main" val="2850360961"/>
+      </p:ext>
+    </p:extLst>
+  </p:cSld>
+  <p:clrMapOvr>
+    <a:masterClrMapping/>
+  </p:clrMapOvr>
+</p:sld>
+</file>
+
+<file path=ppt/slides/slide6.xml><?xml version="1.0" encoding="utf-8"?>
+<p:sld xmlns:a="http://schemas.openxmlformats.org/drawingml/2006/main" xmlns:r="http://schemas.openxmlformats.org/officeDocument/2006/relationships" xmlns:p="http://schemas.openxmlformats.org/presentationml/2006/main">
+  <p:cSld>
+    <p:spTree>
+      <p:nvGrpSpPr>
+        <p:cNvPr id="1" name=""/>
+        <p:cNvGrpSpPr/>
+        <p:nvPr/>
+      </p:nvGrpSpPr>
+      <p:grpSpPr>
+        <a:xfrm>
+          <a:off x="0" y="0"/>
+          <a:ext cx="0" cy="0"/>
+          <a:chOff x="0" y="0"/>
+          <a:chExt cx="0" cy="0"/>
+        </a:xfrm>
+      </p:grpSpPr>
       <p:sp>
         <p:nvSpPr>
           <p:cNvPr id="2" name="タイトル 1">
@@ -4497,126 +4871,6 @@
 </p:sld>
 </file>
 
-<file path=ppt/slides/slide6.xml><?xml version="1.0" encoding="utf-8"?>
-<p:sld xmlns:a="http://schemas.openxmlformats.org/drawingml/2006/main" xmlns:r="http://schemas.openxmlformats.org/officeDocument/2006/relationships" xmlns:p="http://schemas.openxmlformats.org/presentationml/2006/main">
-  <p:cSld>
-    <p:spTree>
-      <p:nvGrpSpPr>
-        <p:cNvPr id="1" name=""/>
-        <p:cNvGrpSpPr/>
-        <p:nvPr/>
-      </p:nvGrpSpPr>
-      <p:grpSpPr>
-        <a:xfrm>
-          <a:off x="0" y="0"/>
-          <a:ext cx="0" cy="0"/>
-          <a:chOff x="0" y="0"/>
-          <a:chExt cx="0" cy="0"/>
-        </a:xfrm>
-      </p:grpSpPr>
-      <p:sp>
-        <p:nvSpPr>
-          <p:cNvPr id="2" name="タイトル 1">
-            <a:extLst>
-              <a:ext uri="{FF2B5EF4-FFF2-40B4-BE49-F238E27FC236}">
-                <a16:creationId xmlns:a16="http://schemas.microsoft.com/office/drawing/2014/main" id="{8A30AFC8-18FE-482A-BE21-D32DABB7649D}"/>
-              </a:ext>
-            </a:extLst>
-          </p:cNvPr>
-          <p:cNvSpPr>
-            <a:spLocks noGrp="1"/>
-          </p:cNvSpPr>
-          <p:nvPr>
-            <p:ph type="title"/>
-          </p:nvPr>
-        </p:nvSpPr>
-        <p:spPr/>
-        <p:txBody>
-          <a:bodyPr/>
-          <a:lstStyle/>
-          <a:p>
-            <a:r>
-              <a:rPr kumimoji="1" lang="ja-JP" altLang="en-US" dirty="0"/>
-              <a:t>ブースティングの特徴</a:t>
-            </a:r>
-          </a:p>
-        </p:txBody>
-      </p:sp>
-      <p:sp>
-        <p:nvSpPr>
-          <p:cNvPr id="3" name="コンテンツ プレースホルダー 2">
-            <a:extLst>
-              <a:ext uri="{FF2B5EF4-FFF2-40B4-BE49-F238E27FC236}">
-                <a16:creationId xmlns:a16="http://schemas.microsoft.com/office/drawing/2014/main" id="{60F28B3D-CE06-4AFD-A2DC-3D9DB9B1FFC5}"/>
-              </a:ext>
-            </a:extLst>
-          </p:cNvPr>
-          <p:cNvSpPr>
-            <a:spLocks noGrp="1"/>
-          </p:cNvSpPr>
-          <p:nvPr>
-            <p:ph idx="1"/>
-          </p:nvPr>
-        </p:nvSpPr>
-        <p:spPr/>
-        <p:txBody>
-          <a:bodyPr/>
-          <a:lstStyle/>
-          <a:p>
-            <a:r>
-              <a:rPr kumimoji="1" lang="ja-JP" altLang="en-US" dirty="0"/>
-              <a:t>遅い</a:t>
-            </a:r>
-            <a:r>
-              <a:rPr kumimoji="1" lang="en-US" altLang="ja-JP" dirty="0"/>
-              <a:t>(</a:t>
-            </a:r>
-            <a:r>
-              <a:rPr kumimoji="1" lang="ja-JP" altLang="en-US" dirty="0"/>
-              <a:t>後述のバギングに比べて</a:t>
-            </a:r>
-            <a:r>
-              <a:rPr kumimoji="1" lang="en-US" altLang="ja-JP" dirty="0"/>
-              <a:t>)</a:t>
-            </a:r>
-          </a:p>
-          <a:p>
-            <a:r>
-              <a:rPr lang="ja-JP" altLang="en-US" dirty="0"/>
-              <a:t>バギングより精度はよい</a:t>
-            </a:r>
-            <a:endParaRPr lang="en-US" altLang="ja-JP" dirty="0"/>
-          </a:p>
-          <a:p>
-            <a:r>
-              <a:rPr kumimoji="1" lang="ja-JP" altLang="en-US" dirty="0"/>
-              <a:t>やりすぎると過学習が起こる</a:t>
-            </a:r>
-            <a:endParaRPr kumimoji="1" lang="en-US" altLang="ja-JP" dirty="0"/>
-          </a:p>
-          <a:p>
-            <a:pPr lvl="1"/>
-            <a:r>
-              <a:rPr lang="ja-JP" altLang="en-US" dirty="0"/>
-              <a:t>このため、どこかで学習を止める必要がある</a:t>
-            </a:r>
-            <a:endParaRPr kumimoji="1" lang="ja-JP" altLang="en-US" dirty="0"/>
-          </a:p>
-        </p:txBody>
-      </p:sp>
-    </p:spTree>
-    <p:extLst>
-      <p:ext uri="{BB962C8B-B14F-4D97-AF65-F5344CB8AC3E}">
-        <p14:creationId xmlns:p14="http://schemas.microsoft.com/office/powerpoint/2010/main" val="2465296552"/>
-      </p:ext>
-    </p:extLst>
-  </p:cSld>
-  <p:clrMapOvr>
-    <a:masterClrMapping/>
-  </p:clrMapOvr>
-</p:sld>
-</file>
-
 <file path=ppt/slides/slide7.xml><?xml version="1.0" encoding="utf-8"?>
 <p:sld xmlns:a="http://schemas.openxmlformats.org/drawingml/2006/main" xmlns:r="http://schemas.openxmlformats.org/officeDocument/2006/relationships" xmlns:p="http://schemas.openxmlformats.org/presentationml/2006/main">
   <p:cSld>
@@ -4639,7 +4893,7 @@
           <p:cNvPr id="2" name="タイトル 1">
             <a:extLst>
               <a:ext uri="{FF2B5EF4-FFF2-40B4-BE49-F238E27FC236}">
-                <a16:creationId xmlns:a16="http://schemas.microsoft.com/office/drawing/2014/main" id="{A15A5BF6-F58D-4213-91EF-C154D4BA3788}"/>
+                <a16:creationId xmlns:a16="http://schemas.microsoft.com/office/drawing/2014/main" id="{8A30AFC8-18FE-482A-BE21-D32DABB7649D}"/>
               </a:ext>
             </a:extLst>
           </p:cNvPr>
@@ -4656,72 +4910,69 @@
           <a:lstStyle/>
           <a:p>
             <a:r>
+              <a:rPr kumimoji="1" lang="ja-JP" altLang="en-US" dirty="0"/>
+              <a:t>ブースティングの特徴</a:t>
+            </a:r>
+          </a:p>
+        </p:txBody>
+      </p:sp>
+      <p:sp>
+        <p:nvSpPr>
+          <p:cNvPr id="3" name="コンテンツ プレースホルダー 2">
+            <a:extLst>
+              <a:ext uri="{FF2B5EF4-FFF2-40B4-BE49-F238E27FC236}">
+                <a16:creationId xmlns:a16="http://schemas.microsoft.com/office/drawing/2014/main" id="{60F28B3D-CE06-4AFD-A2DC-3D9DB9B1FFC5}"/>
+              </a:ext>
+            </a:extLst>
+          </p:cNvPr>
+          <p:cNvSpPr>
+            <a:spLocks noGrp="1"/>
+          </p:cNvSpPr>
+          <p:nvPr>
+            <p:ph idx="1"/>
+          </p:nvPr>
+        </p:nvSpPr>
+        <p:spPr/>
+        <p:txBody>
+          <a:bodyPr/>
+          <a:lstStyle/>
+          <a:p>
+            <a:r>
+              <a:rPr kumimoji="1" lang="ja-JP" altLang="en-US" dirty="0"/>
+              <a:t>遅い</a:t>
+            </a:r>
+            <a:r>
+              <a:rPr kumimoji="1" lang="en-US" altLang="ja-JP" dirty="0"/>
+              <a:t>(</a:t>
+            </a:r>
+            <a:r>
+              <a:rPr kumimoji="1" lang="ja-JP" altLang="en-US" dirty="0"/>
+              <a:t>後述のバギングに比べて</a:t>
+            </a:r>
+            <a:r>
+              <a:rPr kumimoji="1" lang="en-US" altLang="ja-JP" dirty="0"/>
+              <a:t>)</a:t>
+            </a:r>
+          </a:p>
+          <a:p>
+            <a:r>
               <a:rPr lang="ja-JP" altLang="en-US" dirty="0"/>
-              <a:t>バギング</a:t>
-            </a:r>
-            <a:endParaRPr kumimoji="1" lang="ja-JP" altLang="en-US" dirty="0"/>
-          </a:p>
-        </p:txBody>
-      </p:sp>
-      <p:sp>
-        <p:nvSpPr>
-          <p:cNvPr id="3" name="コンテンツ プレースホルダー 2">
-            <a:extLst>
-              <a:ext uri="{FF2B5EF4-FFF2-40B4-BE49-F238E27FC236}">
-                <a16:creationId xmlns:a16="http://schemas.microsoft.com/office/drawing/2014/main" id="{9EA98328-24D1-4EA1-87D8-227E356FBA41}"/>
-              </a:ext>
-            </a:extLst>
-          </p:cNvPr>
-          <p:cNvSpPr>
-            <a:spLocks noGrp="1"/>
-          </p:cNvSpPr>
-          <p:nvPr>
-            <p:ph idx="1"/>
-          </p:nvPr>
-        </p:nvSpPr>
-        <p:spPr/>
-        <p:txBody>
-          <a:bodyPr/>
-          <a:lstStyle/>
-          <a:p>
+              <a:t>バギングより精度はよい</a:t>
+            </a:r>
+            <a:endParaRPr lang="en-US" altLang="ja-JP" dirty="0"/>
+          </a:p>
+          <a:p>
+            <a:r>
+              <a:rPr kumimoji="1" lang="ja-JP" altLang="en-US" dirty="0"/>
+              <a:t>やりすぎると過学習が起こる</a:t>
+            </a:r>
+            <a:endParaRPr kumimoji="1" lang="en-US" altLang="ja-JP" dirty="0"/>
+          </a:p>
+          <a:p>
+            <a:pPr lvl="1"/>
             <a:r>
               <a:rPr lang="ja-JP" altLang="en-US" dirty="0"/>
-              <a:t>学習データの情報を全て使うのでなく、その一部を使用して学習し、最後に結合させる方法。学習データから、一部ずつサンプルを抽出する。サンプルを元に弱学習器を構築する。</a:t>
-            </a:r>
-          </a:p>
-          <a:p>
-            <a:r>
-              <a:rPr lang="ja-JP" altLang="en-US" dirty="0"/>
-              <a:t>複数の弱学習器から最終的な学習器</a:t>
-            </a:r>
-            <a:r>
-              <a:rPr lang="en-US" altLang="ja-JP" dirty="0"/>
-              <a:t>(</a:t>
-            </a:r>
-            <a:r>
-              <a:rPr lang="ja-JP" altLang="en-US" dirty="0"/>
-              <a:t>学習結果</a:t>
-            </a:r>
-            <a:r>
-              <a:rPr lang="en-US" altLang="ja-JP" dirty="0"/>
-              <a:t>)</a:t>
-            </a:r>
-            <a:r>
-              <a:rPr lang="ja-JP" altLang="en-US" dirty="0"/>
-              <a:t>を構築する。</a:t>
-            </a:r>
-          </a:p>
-          <a:p>
-            <a:r>
-              <a:rPr lang="ja-JP" altLang="en-US" dirty="0"/>
-              <a:t>サンプルの抽出と弱学習器の構築が並列に行えることがブースティングとの違い。</a:t>
-            </a:r>
-          </a:p>
-          <a:p>
-            <a:pPr lvl="1"/>
-            <a:r>
-              <a:rPr lang="ja-JP" altLang="en-US" dirty="0"/>
-              <a:t>ブースティングは逐次的に弱学習器を構築する</a:t>
+              <a:t>このため、どこかで学習を止める必要がある</a:t>
             </a:r>
             <a:endParaRPr kumimoji="1" lang="ja-JP" altLang="en-US" dirty="0"/>
           </a:p>
@@ -4730,7 +4981,7 @@
     </p:spTree>
     <p:extLst>
       <p:ext uri="{BB962C8B-B14F-4D97-AF65-F5344CB8AC3E}">
-        <p14:creationId xmlns:p14="http://schemas.microsoft.com/office/powerpoint/2010/main" val="1489315784"/>
+        <p14:creationId xmlns:p14="http://schemas.microsoft.com/office/powerpoint/2010/main" val="2465296552"/>
       </p:ext>
     </p:extLst>
   </p:cSld>
@@ -4762,7 +5013,7 @@
           <p:cNvPr id="2" name="タイトル 1">
             <a:extLst>
               <a:ext uri="{FF2B5EF4-FFF2-40B4-BE49-F238E27FC236}">
-                <a16:creationId xmlns:a16="http://schemas.microsoft.com/office/drawing/2014/main" id="{6AFE3CAE-931F-474D-BC18-19BFC20CBE49}"/>
+                <a16:creationId xmlns:a16="http://schemas.microsoft.com/office/drawing/2014/main" id="{A15A5BF6-F58D-4213-91EF-C154D4BA3788}"/>
               </a:ext>
             </a:extLst>
           </p:cNvPr>
@@ -4779,97 +5030,72 @@
           <a:lstStyle/>
           <a:p>
             <a:r>
-              <a:rPr lang="en-US" altLang="ja-JP" dirty="0" err="1"/>
-              <a:t>LightGBM</a:t>
+              <a:rPr lang="ja-JP" altLang="en-US" dirty="0"/>
+              <a:t>バギング</a:t>
+            </a:r>
+            <a:endParaRPr kumimoji="1" lang="ja-JP" altLang="en-US" dirty="0"/>
+          </a:p>
+        </p:txBody>
+      </p:sp>
+      <p:sp>
+        <p:nvSpPr>
+          <p:cNvPr id="3" name="コンテンツ プレースホルダー 2">
+            <a:extLst>
+              <a:ext uri="{FF2B5EF4-FFF2-40B4-BE49-F238E27FC236}">
+                <a16:creationId xmlns:a16="http://schemas.microsoft.com/office/drawing/2014/main" id="{9EA98328-24D1-4EA1-87D8-227E356FBA41}"/>
+              </a:ext>
+            </a:extLst>
+          </p:cNvPr>
+          <p:cNvSpPr>
+            <a:spLocks noGrp="1"/>
+          </p:cNvSpPr>
+          <p:nvPr>
+            <p:ph idx="1"/>
+          </p:nvPr>
+        </p:nvSpPr>
+        <p:spPr/>
+        <p:txBody>
+          <a:bodyPr/>
+          <a:lstStyle/>
+          <a:p>
+            <a:r>
+              <a:rPr lang="ja-JP" altLang="en-US" dirty="0"/>
+              <a:t>学習データの情報を全て使うのでなく、その一部を使用して学習し、最後に結合させる方法。学習データから、一部ずつサンプルを抽出する。サンプルを元に弱学習器を構築する。</a:t>
+            </a:r>
+          </a:p>
+          <a:p>
+            <a:r>
+              <a:rPr lang="ja-JP" altLang="en-US" dirty="0"/>
+              <a:t>複数の弱学習器から最終的な学習器</a:t>
             </a:r>
             <a:r>
               <a:rPr lang="en-US" altLang="ja-JP" dirty="0"/>
-              <a:t> with Simple Features</a:t>
+              <a:t>(</a:t>
             </a:r>
             <a:r>
               <a:rPr lang="ja-JP" altLang="en-US" dirty="0"/>
-              <a:t>カーネル</a:t>
-            </a:r>
-            <a:endParaRPr kumimoji="1" lang="ja-JP" altLang="en-US" dirty="0"/>
-          </a:p>
-        </p:txBody>
-      </p:sp>
-      <p:sp>
-        <p:nvSpPr>
-          <p:cNvPr id="3" name="コンテンツ プレースホルダー 2">
-            <a:extLst>
-              <a:ext uri="{FF2B5EF4-FFF2-40B4-BE49-F238E27FC236}">
-                <a16:creationId xmlns:a16="http://schemas.microsoft.com/office/drawing/2014/main" id="{4F522652-C5F0-4F34-88E3-77CBF4583C02}"/>
-              </a:ext>
-            </a:extLst>
-          </p:cNvPr>
-          <p:cNvSpPr>
-            <a:spLocks noGrp="1"/>
-          </p:cNvSpPr>
-          <p:nvPr>
-            <p:ph idx="1"/>
-          </p:nvPr>
-        </p:nvSpPr>
-        <p:spPr/>
-        <p:txBody>
-          <a:bodyPr/>
-          <a:lstStyle/>
-          <a:p>
+              <a:t>学習結果</a:t>
+            </a:r>
             <a:r>
               <a:rPr lang="en-US" altLang="ja-JP" dirty="0"/>
-              <a:t>Home Credit Default Risk</a:t>
+              <a:t>)</a:t>
             </a:r>
             <a:r>
               <a:rPr lang="ja-JP" altLang="en-US" dirty="0"/>
-              <a:t>というコンテストのカーネル</a:t>
-            </a:r>
-            <a:endParaRPr lang="en-US" altLang="ja-JP" dirty="0"/>
+              <a:t>を構築する。</a:t>
+            </a:r>
+          </a:p>
+          <a:p>
+            <a:r>
+              <a:rPr lang="ja-JP" altLang="en-US" dirty="0"/>
+              <a:t>サンプルの抽出と弱学習器の構築が並列に行えることがブースティングとの違い。</a:t>
+            </a:r>
           </a:p>
           <a:p>
             <a:pPr lvl="1"/>
             <a:r>
-              <a:rPr kumimoji="1" lang="ja-JP" altLang="en-US" dirty="0"/>
-              <a:t>破産リスクを予測するコンテストらしい</a:t>
-            </a:r>
-            <a:endParaRPr kumimoji="1" lang="en-US" altLang="ja-JP" dirty="0"/>
-          </a:p>
-          <a:p>
-            <a:pPr lvl="1"/>
-            <a:r>
               <a:rPr lang="ja-JP" altLang="en-US" dirty="0"/>
-              <a:t>データが</a:t>
-            </a:r>
-            <a:r>
-              <a:rPr lang="en-US" altLang="ja-JP" dirty="0"/>
-              <a:t>RDB</a:t>
-            </a:r>
-            <a:r>
-              <a:rPr lang="ja-JP" altLang="en-US" dirty="0"/>
-              <a:t>のテーブルのように与えられており、まずはこれをくっつけて訓練データなどを生成している。</a:t>
-            </a:r>
-            <a:endParaRPr lang="en-US" altLang="ja-JP" dirty="0"/>
-          </a:p>
-          <a:p>
-            <a:pPr lvl="2"/>
-            <a:r>
-              <a:rPr kumimoji="1" lang="ja-JP" altLang="en-US" dirty="0"/>
-              <a:t>データが巨大なため、実行結果をレポジトリに保管している</a:t>
-            </a:r>
-            <a:endParaRPr kumimoji="1" lang="en-US" altLang="ja-JP" dirty="0"/>
-          </a:p>
-          <a:p>
-            <a:pPr lvl="2"/>
-            <a:r>
-              <a:rPr lang="ja-JP" altLang="en-US" dirty="0"/>
-              <a:t>データ自体は共有が禁止されている</a:t>
-            </a:r>
-            <a:r>
-              <a:rPr lang="en-US" altLang="ja-JP" dirty="0"/>
-              <a:t>(?)</a:t>
-            </a:r>
-            <a:r>
-              <a:rPr lang="ja-JP" altLang="en-US" dirty="0"/>
-              <a:t>のと、巨大なためレポジトリにはなし</a:t>
+              <a:t>ブースティングは逐次的に弱学習器を構築する</a:t>
             </a:r>
             <a:endParaRPr kumimoji="1" lang="ja-JP" altLang="en-US" dirty="0"/>
           </a:p>
@@ -4878,7 +5104,7 @@
     </p:spTree>
     <p:extLst>
       <p:ext uri="{BB962C8B-B14F-4D97-AF65-F5344CB8AC3E}">
-        <p14:creationId xmlns:p14="http://schemas.microsoft.com/office/powerpoint/2010/main" val="3147911512"/>
+        <p14:creationId xmlns:p14="http://schemas.microsoft.com/office/powerpoint/2010/main" val="1489315784"/>
       </p:ext>
     </p:extLst>
   </p:cSld>
@@ -4910,7 +5136,7 @@
           <p:cNvPr id="2" name="タイトル 1">
             <a:extLst>
               <a:ext uri="{FF2B5EF4-FFF2-40B4-BE49-F238E27FC236}">
-                <a16:creationId xmlns:a16="http://schemas.microsoft.com/office/drawing/2014/main" id="{5D95A9AD-138B-43D8-8EA5-2D7A6C928879}"/>
+                <a16:creationId xmlns:a16="http://schemas.microsoft.com/office/drawing/2014/main" id="{6AFE3CAE-931F-474D-BC18-19BFC20CBE49}"/>
               </a:ext>
             </a:extLst>
           </p:cNvPr>
@@ -4936,7 +5162,7 @@
             </a:r>
             <a:r>
               <a:rPr lang="ja-JP" altLang="en-US" dirty="0"/>
-              <a:t>カーネルでやっていること</a:t>
+              <a:t>カーネル</a:t>
             </a:r>
             <a:endParaRPr kumimoji="1" lang="ja-JP" altLang="en-US" dirty="0"/>
           </a:p>
@@ -4947,7 +5173,7 @@
           <p:cNvPr id="3" name="コンテンツ プレースホルダー 2">
             <a:extLst>
               <a:ext uri="{FF2B5EF4-FFF2-40B4-BE49-F238E27FC236}">
-                <a16:creationId xmlns:a16="http://schemas.microsoft.com/office/drawing/2014/main" id="{85424750-60B7-4A94-825D-FF6F0EA32433}"/>
+                <a16:creationId xmlns:a16="http://schemas.microsoft.com/office/drawing/2014/main" id="{4F522652-C5F0-4F34-88E3-77CBF4583C02}"/>
               </a:ext>
             </a:extLst>
           </p:cNvPr>
@@ -4964,97 +5190,61 @@
           <a:lstStyle/>
           <a:p>
             <a:r>
+              <a:rPr lang="en-US" altLang="ja-JP" dirty="0"/>
+              <a:t>Home Credit Default Risk</a:t>
+            </a:r>
+            <a:r>
+              <a:rPr lang="ja-JP" altLang="en-US" dirty="0"/>
+              <a:t>というコンテストのカーネル</a:t>
+            </a:r>
+            <a:endParaRPr lang="en-US" altLang="ja-JP" dirty="0"/>
+          </a:p>
+          <a:p>
+            <a:pPr lvl="1"/>
+            <a:r>
               <a:rPr kumimoji="1" lang="ja-JP" altLang="en-US" dirty="0"/>
-              <a:t>複数テーブル</a:t>
-            </a:r>
-            <a:r>
-              <a:rPr kumimoji="1" lang="en-US" altLang="ja-JP" dirty="0"/>
-              <a:t>(CSV)</a:t>
-            </a:r>
+              <a:t>破産リスクを予測するコンテストらしい</a:t>
+            </a:r>
+            <a:endParaRPr kumimoji="1" lang="en-US" altLang="ja-JP" dirty="0"/>
+          </a:p>
+          <a:p>
+            <a:pPr lvl="1"/>
+            <a:r>
+              <a:rPr lang="ja-JP" altLang="en-US" dirty="0"/>
+              <a:t>データが</a:t>
+            </a:r>
+            <a:r>
+              <a:rPr lang="en-US" altLang="ja-JP" dirty="0"/>
+              <a:t>RDB</a:t>
+            </a:r>
+            <a:r>
+              <a:rPr lang="ja-JP" altLang="en-US" dirty="0"/>
+              <a:t>のテーブルのように与えられており、まずはこれをくっつけて訓練データなどを生成している。</a:t>
+            </a:r>
+            <a:endParaRPr lang="en-US" altLang="ja-JP" dirty="0"/>
+          </a:p>
+          <a:p>
+            <a:pPr lvl="2"/>
             <a:r>
               <a:rPr kumimoji="1" lang="ja-JP" altLang="en-US" dirty="0"/>
-              <a:t>にデータが散らばっているので、それらを結合</a:t>
+              <a:t>データが巨大なため、実行結果をレポジトリに保管している</a:t>
             </a:r>
             <a:endParaRPr kumimoji="1" lang="en-US" altLang="ja-JP" dirty="0"/>
           </a:p>
           <a:p>
-            <a:r>
-              <a:rPr lang="en-US" altLang="ja-JP" dirty="0" err="1"/>
-              <a:t>Kfold</a:t>
-            </a:r>
+            <a:pPr lvl="2"/>
             <a:r>
               <a:rPr lang="ja-JP" altLang="en-US" dirty="0"/>
-              <a:t>というクロスバリデーションの手法で分類器のスコアを出している</a:t>
-            </a:r>
-            <a:endParaRPr lang="en-US" altLang="ja-JP" dirty="0"/>
-          </a:p>
-          <a:p>
-            <a:pPr lvl="1"/>
-            <a:r>
-              <a:rPr kumimoji="1" lang="en-US" altLang="ja-JP" dirty="0"/>
-              <a:t>K</a:t>
-            </a:r>
-            <a:r>
-              <a:rPr kumimoji="1" lang="ja-JP" altLang="en-US" dirty="0"/>
-              <a:t>個に分割し、</a:t>
-            </a:r>
-            <a:r>
-              <a:rPr kumimoji="1" lang="en-US" altLang="ja-JP" dirty="0"/>
-              <a:t>k-1</a:t>
-            </a:r>
-            <a:r>
-              <a:rPr kumimoji="1" lang="ja-JP" altLang="en-US" dirty="0"/>
-              <a:t>個を訓練データ、</a:t>
-            </a:r>
-            <a:r>
-              <a:rPr kumimoji="1" lang="en-US" altLang="ja-JP" dirty="0"/>
-              <a:t>1</a:t>
-            </a:r>
-            <a:r>
-              <a:rPr kumimoji="1" lang="ja-JP" altLang="en-US" dirty="0"/>
-              <a:t>個をテストデータとする</a:t>
-            </a:r>
-            <a:endParaRPr kumimoji="1" lang="en-US" altLang="ja-JP" dirty="0"/>
-          </a:p>
-          <a:p>
-            <a:pPr lvl="1"/>
+              <a:t>データ自体は共有が禁止されている</a:t>
+            </a:r>
+            <a:r>
+              <a:rPr lang="en-US" altLang="ja-JP" dirty="0"/>
+              <a:t>(?)</a:t>
+            </a:r>
             <a:r>
               <a:rPr lang="ja-JP" altLang="en-US" dirty="0"/>
-              <a:t>このカーネルでは</a:t>
-            </a:r>
-            <a:r>
-              <a:rPr lang="en-US" altLang="ja-JP" dirty="0"/>
-              <a:t>k=10</a:t>
-            </a:r>
-          </a:p>
-          <a:p>
-            <a:r>
-              <a:rPr lang="ja-JP" altLang="en-US" dirty="0"/>
-              <a:t>各訓練データに対して、学習を繰り返す</a:t>
-            </a:r>
-            <a:endParaRPr lang="en-US" altLang="ja-JP" dirty="0"/>
-          </a:p>
-          <a:p>
-            <a:pPr lvl="1"/>
-            <a:r>
-              <a:rPr lang="ja-JP" altLang="en-US" dirty="0"/>
-              <a:t>正解率を見て、正解率が下がり始めたら学習を止める</a:t>
-            </a:r>
-            <a:r>
-              <a:rPr lang="en-US" altLang="ja-JP" dirty="0"/>
-              <a:t>(</a:t>
-            </a:r>
-            <a:r>
-              <a:rPr lang="ja-JP" altLang="en-US" dirty="0"/>
-              <a:t>過学習防止のため</a:t>
-            </a:r>
-            <a:r>
-              <a:rPr lang="en-US" altLang="ja-JP" dirty="0"/>
-              <a:t>)</a:t>
-            </a:r>
-          </a:p>
-          <a:p>
-            <a:pPr lvl="1"/>
+              <a:t>のと、巨大なためレポジトリにはなし</a:t>
+            </a:r>
             <a:endParaRPr kumimoji="1" lang="ja-JP" altLang="en-US" dirty="0"/>
           </a:p>
         </p:txBody>
@@ -5062,7 +5252,7 @@
     </p:spTree>
     <p:extLst>
       <p:ext uri="{BB962C8B-B14F-4D97-AF65-F5344CB8AC3E}">
-        <p14:creationId xmlns:p14="http://schemas.microsoft.com/office/powerpoint/2010/main" val="3481095468"/>
+        <p14:creationId xmlns:p14="http://schemas.microsoft.com/office/powerpoint/2010/main" val="3147911512"/>
       </p:ext>
     </p:extLst>
   </p:cSld>
